--- a/en/ProgrammingLessons/beginner/scratch-Loops.pptx
+++ b/en/ProgrammingLessons/beginner/scratch-Loops.pptx
@@ -218,7 +218,7 @@
           <a:p>
             <a:fld id="{F8D9B3D7-15CB-9343-AA49-EFB5A8F33F18}" type="datetimeFigureOut">
               <a:rPr lang="en-US" smtClean="0"/>
-              <a:t>12/21/19</a:t>
+              <a:t>12/25/19</a:t>
             </a:fld>
             <a:endParaRPr lang="en-US"/>
           </a:p>
@@ -384,7 +384,7 @@
           <a:p>
             <a:fld id="{FD3EFF1E-85A1-6640-AFB9-C38833E80A84}" type="datetimeFigureOut">
               <a:rPr lang="en-US" smtClean="0"/>
-              <a:t>12/21/19</a:t>
+              <a:t>12/25/19</a:t>
             </a:fld>
             <a:endParaRPr lang="en-US"/>
           </a:p>
@@ -972,7 +972,7 @@
           <a:p>
             <a:fld id="{EEA12A37-76B0-1242-BE53-24F1C1BA1E17}" type="datetime1">
               <a:rPr lang="en-US" smtClean="0"/>
-              <a:t>12/21/19</a:t>
+              <a:t>12/25/19</a:t>
             </a:fld>
             <a:endParaRPr lang="en-US"/>
           </a:p>
@@ -1362,35 +1362,6 @@
           </a:p>
         </p:txBody>
       </p:sp>
-      <p:pic>
-        <p:nvPicPr>
-          <p:cNvPr id="19" name="Picture 18" descr="A picture containing drawing&#10;&#10;Description automatically generated">
-            <a:extLst>
-              <a:ext uri="{FF2B5EF4-FFF2-40B4-BE49-F238E27FC236}">
-                <a16:creationId xmlns:a16="http://schemas.microsoft.com/office/drawing/2014/main" id="{CD91D14A-E5A7-104E-869E-0D9ABA679617}"/>
-              </a:ext>
-            </a:extLst>
-          </p:cNvPr>
-          <p:cNvPicPr>
-            <a:picLocks noChangeAspect="1"/>
-          </p:cNvPicPr>
-          <p:nvPr userDrawn="1"/>
-        </p:nvPicPr>
-        <p:blipFill rotWithShape="1">
-          <a:blip r:embed="rId2"/>
-          <a:srcRect l="1617" t="7031" r="4033" b="8124"/>
-          <a:stretch/>
-        </p:blipFill>
-        <p:spPr>
-          <a:xfrm>
-            <a:off x="89513" y="25985"/>
-            <a:ext cx="8627349" cy="3250097"/>
-          </a:xfrm>
-          <a:prstGeom prst="rect">
-            <a:avLst/>
-          </a:prstGeom>
-        </p:spPr>
-      </p:pic>
     </p:spTree>
     <p:extLst>
       <p:ext uri="{BB962C8B-B14F-4D97-AF65-F5344CB8AC3E}">
@@ -1511,7 +1482,7 @@
           <a:p>
             <a:fld id="{3A834F2D-5A59-4647-B937-841B87489B36}" type="datetime1">
               <a:rPr lang="en-US" smtClean="0"/>
-              <a:t>12/21/19</a:t>
+              <a:t>12/25/19</a:t>
             </a:fld>
             <a:endParaRPr lang="en-US"/>
           </a:p>
@@ -1700,7 +1671,7 @@
           <a:p>
             <a:fld id="{12DB1A6E-278B-9040-99DA-8A7EEC3B55B3}" type="datetime1">
               <a:rPr lang="en-US" smtClean="0"/>
-              <a:t>12/21/19</a:t>
+              <a:t>12/25/19</a:t>
             </a:fld>
             <a:endParaRPr lang="en-US"/>
           </a:p>
@@ -1901,7 +1872,7 @@
           <a:p>
             <a:fld id="{56799123-FCBB-DC4F-924F-0640C1116C45}" type="datetime1">
               <a:rPr lang="en-US" smtClean="0"/>
-              <a:t>12/21/19</a:t>
+              <a:t>12/25/19</a:t>
             </a:fld>
             <a:endParaRPr lang="en-US"/>
           </a:p>
@@ -2072,7 +2043,7 @@
           <a:p>
             <a:fld id="{7ABFE4A9-9987-E843-A710-4FA189570CA0}" type="datetime1">
               <a:rPr lang="en-US" smtClean="0"/>
-              <a:t>12/21/19</a:t>
+              <a:t>12/25/19</a:t>
             </a:fld>
             <a:endParaRPr lang="en-US"/>
           </a:p>
@@ -2320,7 +2291,7 @@
           <a:p>
             <a:fld id="{E56C7D1C-A6D4-364F-84E2-33D519014F4C}" type="datetime1">
               <a:rPr lang="en-US" smtClean="0"/>
-              <a:t>12/21/19</a:t>
+              <a:t>12/25/19</a:t>
             </a:fld>
             <a:endParaRPr lang="en-US"/>
           </a:p>
@@ -2552,7 +2523,7 @@
           <a:p>
             <a:fld id="{5F74383F-64B2-6845-B3F1-387FF2D6F331}" type="datetime1">
               <a:rPr lang="en-US" smtClean="0"/>
-              <a:t>12/21/19</a:t>
+              <a:t>12/25/19</a:t>
             </a:fld>
             <a:endParaRPr lang="en-US"/>
           </a:p>
@@ -2919,7 +2890,7 @@
           <a:p>
             <a:fld id="{A1E56B5E-D7BE-D044-A4C5-5D6D5E2FBF03}" type="datetime1">
               <a:rPr lang="en-US" smtClean="0"/>
-              <a:t>12/21/19</a:t>
+              <a:t>12/25/19</a:t>
             </a:fld>
             <a:endParaRPr lang="en-US"/>
           </a:p>
@@ -3039,7 +3010,7 @@
           <a:p>
             <a:fld id="{526069C6-A4F4-5849-A6F4-D4193353D1CD}" type="datetime1">
               <a:rPr lang="en-US" smtClean="0"/>
-              <a:t>12/21/19</a:t>
+              <a:t>12/25/19</a:t>
             </a:fld>
             <a:endParaRPr lang="en-US"/>
           </a:p>
@@ -3137,7 +3108,7 @@
           <a:p>
             <a:fld id="{71489902-AFE2-DE46-AFAE-7A8F235A54BD}" type="datetime1">
               <a:rPr lang="en-US" smtClean="0"/>
-              <a:t>12/21/19</a:t>
+              <a:t>12/25/19</a:t>
             </a:fld>
             <a:endParaRPr lang="en-US"/>
           </a:p>
@@ -3415,7 +3386,7 @@
           <a:p>
             <a:fld id="{F96E0571-6B88-BC4E-8AB5-6C28A05E085F}" type="datetime1">
               <a:rPr lang="en-US" smtClean="0"/>
-              <a:t>12/21/19</a:t>
+              <a:t>12/25/19</a:t>
             </a:fld>
             <a:endParaRPr lang="en-US"/>
           </a:p>
@@ -3597,7 +3568,7 @@
           <a:p>
             <a:fld id="{B51336F5-1E4E-3641-A6B4-BC2DA7971A94}" type="datetime1">
               <a:rPr lang="en-US" smtClean="0"/>
-              <a:t>12/21/19</a:t>
+              <a:t>12/25/19</a:t>
             </a:fld>
             <a:endParaRPr lang="en-US"/>
           </a:p>
@@ -3863,7 +3834,7 @@
           <a:p>
             <a:fld id="{C0427238-2210-1440-B928-90660D95B410}" type="datetime1">
               <a:rPr lang="en-US" smtClean="0"/>
-              <a:t>12/21/19</a:t>
+              <a:t>12/25/19</a:t>
             </a:fld>
             <a:endParaRPr lang="en-US"/>
           </a:p>
@@ -4034,7 +4005,7 @@
           <a:p>
             <a:fld id="{983D1B01-6F03-E041-AE41-FFD2CD18C5FE}" type="datetime1">
               <a:rPr lang="en-US" smtClean="0"/>
-              <a:t>12/21/19</a:t>
+              <a:t>12/25/19</a:t>
             </a:fld>
             <a:endParaRPr lang="en-US"/>
           </a:p>
@@ -4215,7 +4186,7 @@
           <a:p>
             <a:fld id="{343A1442-5D98-0346-8723-EFB6ECFEEEEF}" type="datetime1">
               <a:rPr lang="en-US" smtClean="0"/>
-              <a:t>12/21/19</a:t>
+              <a:t>12/25/19</a:t>
             </a:fld>
             <a:endParaRPr lang="en-US"/>
           </a:p>
@@ -4472,7 +4443,7 @@
           <a:p>
             <a:fld id="{D6D6C249-A152-534A-8E41-7D0393FEA728}" type="datetime1">
               <a:rPr lang="en-US" smtClean="0"/>
-              <a:t>12/21/19</a:t>
+              <a:t>12/25/19</a:t>
             </a:fld>
             <a:endParaRPr lang="en-US"/>
           </a:p>
@@ -4775,7 +4746,7 @@
           <a:p>
             <a:fld id="{2B3AA314-8E8C-3D49-B9FC-55F8758F6157}" type="datetime1">
               <a:rPr lang="en-US" smtClean="0"/>
-              <a:t>12/21/19</a:t>
+              <a:t>12/25/19</a:t>
             </a:fld>
             <a:endParaRPr lang="en-US"/>
           </a:p>
@@ -5229,7 +5200,7 @@
           <a:p>
             <a:fld id="{42BC378D-8D93-6D43-86BD-6F44D342C3B7}" type="datetime1">
               <a:rPr lang="en-US" smtClean="0"/>
-              <a:t>12/21/19</a:t>
+              <a:t>12/25/19</a:t>
             </a:fld>
             <a:endParaRPr lang="en-US"/>
           </a:p>
@@ -5357,7 +5328,7 @@
           <a:p>
             <a:fld id="{28ED8069-9280-AE40-8EC0-57CA3D71BC59}" type="datetime1">
               <a:rPr lang="en-US" smtClean="0"/>
-              <a:t>12/21/19</a:t>
+              <a:t>12/25/19</a:t>
             </a:fld>
             <a:endParaRPr lang="en-US"/>
           </a:p>
@@ -5463,7 +5434,7 @@
           <a:p>
             <a:fld id="{EF797A1F-DDEE-FC4D-90D0-E10F64DC99FF}" type="datetime1">
               <a:rPr lang="en-US" smtClean="0"/>
-              <a:t>12/21/19</a:t>
+              <a:t>12/25/19</a:t>
             </a:fld>
             <a:endParaRPr lang="en-US"/>
           </a:p>
@@ -5721,7 +5692,7 @@
           <a:p>
             <a:fld id="{EC2F2FC6-C6C2-C344-B018-8E008815C5D5}" type="datetime1">
               <a:rPr lang="en-US" smtClean="0"/>
-              <a:t>12/21/19</a:t>
+              <a:t>12/25/19</a:t>
             </a:fld>
             <a:endParaRPr lang="en-US"/>
           </a:p>
@@ -6029,7 +6000,7 @@
           <a:p>
             <a:fld id="{2440DB7A-EBFF-0B4A-B435-00E4D9D0AA1C}" type="datetime1">
               <a:rPr lang="en-US" smtClean="0"/>
-              <a:t>12/21/19</a:t>
+              <a:t>12/25/19</a:t>
             </a:fld>
             <a:endParaRPr lang="en-US"/>
           </a:p>
@@ -6339,7 +6310,7 @@
           <a:p>
             <a:fld id="{3F27D6BE-5A8D-9B40-B226-28D839A79F6A}" type="datetime1">
               <a:rPr lang="en-US" smtClean="0"/>
-              <a:t>12/21/19</a:t>
+              <a:t>12/25/19</a:t>
             </a:fld>
             <a:endParaRPr lang="en-US"/>
           </a:p>
@@ -7115,7 +7086,7 @@
           <a:p>
             <a:fld id="{221D8921-0457-C54E-9482-C12B7B1E557A}" type="datetime1">
               <a:rPr lang="en-US" smtClean="0"/>
-              <a:t>12/21/19</a:t>
+              <a:t>12/25/19</a:t>
             </a:fld>
             <a:endParaRPr lang="en-US"/>
           </a:p>
@@ -7534,47 +7505,118 @@
             <p:ph type="subTitle" idx="1"/>
           </p:nvPr>
         </p:nvSpPr>
-        <p:spPr/>
-        <p:txBody>
-          <a:bodyPr/>
-          <a:lstStyle/>
-          <a:p>
-            <a:r>
-              <a:rPr lang="en-US" dirty="0"/>
-              <a:t>Loops</a:t>
-            </a:r>
-          </a:p>
-        </p:txBody>
-      </p:sp>
-      <p:sp>
-        <p:nvSpPr>
-          <p:cNvPr id="3" name="Title 2"/>
-          <p:cNvSpPr>
-            <a:spLocks noGrp="1"/>
-          </p:cNvSpPr>
-          <p:nvPr>
-            <p:ph type="ctrTitle"/>
-          </p:nvPr>
-        </p:nvSpPr>
-        <p:spPr/>
-        <p:txBody>
-          <a:bodyPr/>
-          <a:lstStyle/>
-          <a:p>
-            <a:pPr algn="ctr"/>
-            <a:r>
-              <a:rPr lang="en-US" dirty="0"/>
-              <a:t>BEGINNER PROGRAMMING LESSONS</a:t>
-            </a:r>
+        <p:spPr>
+          <a:xfrm>
+            <a:off x="1143000" y="3131132"/>
+            <a:ext cx="6858000" cy="914400"/>
+          </a:xfrm>
+        </p:spPr>
+        <p:txBody>
+          <a:bodyPr>
+            <a:normAutofit lnSpcReduction="10000"/>
+          </a:bodyPr>
+          <a:lstStyle/>
+          <a:p>
+            <a:r>
+              <a:rPr lang="en-US" sz="2400" dirty="0"/>
+              <a:t>EV3 Classroom: </a:t>
+            </a:r>
+          </a:p>
+          <a:p>
+            <a:r>
+              <a:rPr lang="en-US" sz="2400" dirty="0"/>
+              <a:t>Loops (Repeat Blocks)</a:t>
+            </a:r>
+          </a:p>
+        </p:txBody>
+      </p:sp>
+      <p:sp>
+        <p:nvSpPr>
+          <p:cNvPr id="7" name="Title 1">
+            <a:extLst>
+              <a:ext uri="{FF2B5EF4-FFF2-40B4-BE49-F238E27FC236}">
+                <a16:creationId xmlns:a16="http://schemas.microsoft.com/office/drawing/2014/main" id="{ABF7D2C8-D746-4D48-A266-90225137D2CA}"/>
+              </a:ext>
+            </a:extLst>
+          </p:cNvPr>
+          <p:cNvSpPr txBox="1">
+            <a:spLocks/>
+          </p:cNvSpPr>
+          <p:nvPr/>
+        </p:nvSpPr>
+        <p:spPr>
+          <a:xfrm>
+            <a:off x="4868091" y="272833"/>
+            <a:ext cx="3897684" cy="1598052"/>
+          </a:xfrm>
+          <a:prstGeom prst="rect">
+            <a:avLst/>
+          </a:prstGeom>
+        </p:spPr>
+        <p:txBody>
+          <a:bodyPr vert="horz" lIns="91440" tIns="45720" rIns="91440" bIns="45720" rtlCol="0" anchor="t" anchorCtr="0">
+            <a:noAutofit/>
+          </a:bodyPr>
+          <a:lstStyle>
+            <a:lvl1pPr algn="l" defTabSz="914400" rtl="0" eaLnBrk="1" latinLnBrk="0" hangingPunct="1">
+              <a:spcBef>
+                <a:spcPct val="0"/>
+              </a:spcBef>
+              <a:buNone/>
+              <a:defRPr sz="2800" kern="1200" cap="all" spc="-60" baseline="0">
+                <a:solidFill>
+                  <a:schemeClr val="tx2"/>
+                </a:solidFill>
+                <a:latin typeface="+mj-lt"/>
+                <a:ea typeface="+mj-ea"/>
+                <a:cs typeface="+mj-cs"/>
+              </a:defRPr>
+            </a:lvl1pPr>
+          </a:lstStyle>
+          <a:p>
+            <a:r>
+              <a:rPr lang="en-US" sz="3200"/>
+              <a:t>BEGINNER PROGRAMMING LESSON</a:t>
+            </a:r>
+            <a:endParaRPr lang="en-US" sz="3200" dirty="0"/>
           </a:p>
         </p:txBody>
       </p:sp>
       <p:pic>
         <p:nvPicPr>
-          <p:cNvPr id="5" name="Picture 4" descr="A close up of a sign&#10;&#10;Description automatically generated">
+          <p:cNvPr id="8" name="Picture 7" descr="A picture containing drawing&#10;&#10;Description automatically generated">
             <a:extLst>
               <a:ext uri="{FF2B5EF4-FFF2-40B4-BE49-F238E27FC236}">
-                <a16:creationId xmlns:a16="http://schemas.microsoft.com/office/drawing/2014/main" id="{09A64E6C-D177-F34F-B9D6-1A4D029D915A}"/>
+                <a16:creationId xmlns:a16="http://schemas.microsoft.com/office/drawing/2014/main" id="{9B88FF3A-EC4E-BD4E-992F-2E5981628849}"/>
+              </a:ext>
+            </a:extLst>
+          </p:cNvPr>
+          <p:cNvPicPr>
+            <a:picLocks noChangeAspect="1"/>
+          </p:cNvPicPr>
+          <p:nvPr/>
+        </p:nvPicPr>
+        <p:blipFill rotWithShape="1">
+          <a:blip r:embed="rId3"/>
+          <a:srcRect l="1617" t="7031" r="4033" b="8124"/>
+          <a:stretch/>
+        </p:blipFill>
+        <p:spPr>
+          <a:xfrm>
+            <a:off x="129863" y="209018"/>
+            <a:ext cx="4442137" cy="1673443"/>
+          </a:xfrm>
+          <a:prstGeom prst="rect">
+            <a:avLst/>
+          </a:prstGeom>
+        </p:spPr>
+      </p:pic>
+      <p:pic>
+        <p:nvPicPr>
+          <p:cNvPr id="9" name="Picture 8" descr="A close up of a sign&#10;&#10;Description automatically generated">
+            <a:extLst>
+              <a:ext uri="{FF2B5EF4-FFF2-40B4-BE49-F238E27FC236}">
+                <a16:creationId xmlns:a16="http://schemas.microsoft.com/office/drawing/2014/main" id="{653DDC7D-CA1E-5449-8C13-BF7F897051FC}"/>
               </a:ext>
             </a:extLst>
           </p:cNvPr>
@@ -7584,15 +7626,21 @@
           <p:nvPr/>
         </p:nvPicPr>
         <p:blipFill>
-          <a:blip r:embed="rId3"/>
+          <a:blip r:embed="rId4">
+            <a:extLst>
+              <a:ext uri="{28A0092B-C50C-407E-A947-70E740481C1C}">
+                <a14:useLocalDpi xmlns:a14="http://schemas.microsoft.com/office/drawing/2010/main" val="0"/>
+              </a:ext>
+            </a:extLst>
+          </a:blip>
           <a:stretch>
             <a:fillRect/>
           </a:stretch>
         </p:blipFill>
         <p:spPr>
-          <a:xfrm rot="905751">
-            <a:off x="7428181" y="371720"/>
-            <a:ext cx="1124670" cy="1101589"/>
+          <a:xfrm>
+            <a:off x="3730120" y="4883748"/>
+            <a:ext cx="1444298" cy="1444298"/>
           </a:xfrm>
           <a:prstGeom prst="rect">
             <a:avLst/>
@@ -9313,7 +9361,7 @@
           <a:effectLst/>
           <a:extLst>
             <a:ext uri="{91240B29-F687-4f45-9708-019B960494DF}">
-              <a14:hiddenLine xmlns="" xmlns:a14="http://schemas.microsoft.com/office/drawing/2010/main" w="9525">
+              <a14:hiddenLine xmlns:a14="http://schemas.microsoft.com/office/drawing/2010/main" xmlns="" w="9525">
                 <a:solidFill>
                   <a:schemeClr val="tx1"/>
                 </a:solidFill>
@@ -9323,7 +9371,7 @@
               </a14:hiddenLine>
             </a:ext>
             <a:ext uri="{AF507438-7753-43e0-B8FC-AC1667EBCBE1}">
-              <a14:hiddenEffects xmlns="" xmlns:a14="http://schemas.microsoft.com/office/drawing/2010/main">
+              <a14:hiddenEffects xmlns:a14="http://schemas.microsoft.com/office/drawing/2010/main" xmlns="">
                 <a:effectLst>
                   <a:outerShdw dist="35921" dir="2700000" algn="ctr" rotWithShape="0">
                     <a:schemeClr val="bg2"/>
@@ -9664,7 +9712,7 @@
           <a:noFill/>
           <a:extLst>
             <a:ext uri="{909E8E84-426E-40dd-AFC4-6F175D3DCCD1}">
-              <a14:hiddenFill xmlns="" xmlns:a14="http://schemas.microsoft.com/office/drawing/2010/main">
+              <a14:hiddenFill xmlns:a14="http://schemas.microsoft.com/office/drawing/2010/main" xmlns="">
                 <a:solidFill>
                   <a:srgbClr val="FFFFFF"/>
                 </a:solidFill>
